--- a/moneyclub/groups/wad_moneyclub.pptx
+++ b/moneyclub/groups/wad_moneyclub.pptx
@@ -5549,8 +5549,13 @@
           <a:p>
             <a:r>
               <a:rPr lang="en-IN" dirty="0" smtClean="0"/>
-              <a:t>Successful sprint</a:t>
-            </a:r>
+              <a:t>Successful </a:t>
+            </a:r>
+            <a:r>
+              <a:rPr lang="en-IN" dirty="0" smtClean="0"/>
+              <a:t>individual sprints</a:t>
+            </a:r>
+            <a:endParaRPr lang="en-IN" dirty="0" smtClean="0"/>
           </a:p>
           <a:p>
             <a:endParaRPr lang="en-IN" dirty="0" smtClean="0"/>
@@ -5670,11 +5675,7 @@
           <a:p>
             <a:r>
               <a:rPr lang="en-IN" dirty="0" smtClean="0"/>
-              <a:t>Effort in terms of Actions and not user </a:t>
-            </a:r>
-            <a:r>
-              <a:rPr lang="en-IN" dirty="0" smtClean="0"/>
-              <a:t>stories</a:t>
+              <a:t>Effort in terms of Actions and not user stories</a:t>
             </a:r>
           </a:p>
           <a:p>
@@ -5689,7 +5690,6 @@
               <a:rPr lang="en-IN" dirty="0" smtClean="0"/>
               <a:t>estimate</a:t>
             </a:r>
-            <a:endParaRPr lang="en-IN" dirty="0" smtClean="0"/>
           </a:p>
         </p:txBody>
       </p:sp>
@@ -5752,7 +5752,16 @@
           <a:bodyPr/>
           <a:lstStyle/>
           <a:p>
-            <a:endParaRPr lang="en-IN"/>
+            <a:pPr algn="ctr">
+              <a:buNone/>
+            </a:pPr>
+            <a:r>
+              <a:rPr lang="en-IN" sz="4400" dirty="0" smtClean="0">
+                <a:sym typeface="Wingdings" pitchFamily="2" charset="2"/>
+              </a:rPr>
+              <a:t></a:t>
+            </a:r>
+            <a:endParaRPr lang="en-IN" sz="4400" dirty="0"/>
           </a:p>
         </p:txBody>
       </p:sp>
